--- a/GoingNativeWithKendoUIMobile_Widescreen.pptx
+++ b/GoingNativeWithKendoUIMobile_Widescreen.pptx
@@ -2,7 +2,7 @@
 <file path=ppt/presentation.xml><?xml version="1.0" encoding="utf-8"?>
 <p:presentation xmlns:a="http://schemas.openxmlformats.org/drawingml/2006/main" xmlns:r="http://schemas.openxmlformats.org/officeDocument/2006/relationships" xmlns:p="http://schemas.openxmlformats.org/presentationml/2006/main" saveSubsetFonts="1">
   <p:sldMasterIdLst>
-    <p:sldMasterId id="2147483720" r:id="rId1"/>
+    <p:sldMasterId id="2147483744" r:id="rId1"/>
   </p:sldMasterIdLst>
   <p:notesMasterIdLst>
     <p:notesMasterId r:id="rId32"/>
@@ -229,7 +229,7 @@
           <a:p>
             <a:fld id="{D39C16E0-0246-47C1-91A7-ED3E8784215F}" type="datetimeFigureOut">
               <a:rPr lang="en-US" smtClean="0"/>
-              <a:t>8/21/2012</a:t>
+              <a:t>8/29/2012</a:t>
             </a:fld>
             <a:endParaRPr lang="en-US"/>
           </a:p>
@@ -15302,26 +15302,18 @@
             </a:br>
             <a:r>
               <a:rPr lang="en-US" sz="1400" dirty="0" smtClean="0"/>
-              <a:t>Senior </a:t>
-            </a:r>
-            <a:r>
-              <a:rPr lang="en-US" sz="1400" dirty="0" err="1" smtClean="0"/>
-              <a:t>Sofware</a:t>
-            </a:r>
-            <a:r>
-              <a:rPr lang="en-US" sz="1400" dirty="0" smtClean="0"/>
-              <a:t> Engineer</a:t>
+              <a:t>Senior Software Engineer</a:t>
             </a:r>
             <a:br>
               <a:rPr lang="en-US" sz="1400" dirty="0" smtClean="0"/>
             </a:br>
             <a:r>
               <a:rPr lang="en-US" sz="1400" dirty="0" smtClean="0"/>
-              <a:t>Skyline Technologies, </a:t>
-            </a:r>
-            <a:r>
-              <a:rPr lang="en-US" sz="1400" dirty="0" err="1" smtClean="0"/>
-              <a:t>Inc</a:t>
+              <a:t>Skyline Technologies</a:t>
+            </a:r>
+            <a:r>
+              <a:rPr lang="en-US" sz="1400" smtClean="0"/>
+              <a:t>, Inc.</a:t>
             </a:r>
             <a:endParaRPr lang="en-US" sz="1400" dirty="0" smtClean="0"/>
           </a:p>
@@ -15379,7 +15371,7 @@
     </p:spTree>
     <p:extLst>
       <p:ext uri="{BB962C8B-B14F-4D97-AF65-F5344CB8AC3E}">
-        <p14:creationId xmlns:p14="http://schemas.microsoft.com/office/powerpoint/2010/main" val="3968477879"/>
+        <p14:creationId xmlns:p14="http://schemas.microsoft.com/office/powerpoint/2010/main" val="3457336371"/>
       </p:ext>
     </p:extLst>
   </p:cSld>
@@ -15491,13 +15483,20 @@
     </p:spTree>
     <p:extLst>
       <p:ext uri="{BB962C8B-B14F-4D97-AF65-F5344CB8AC3E}">
-        <p14:creationId xmlns:p14="http://schemas.microsoft.com/office/powerpoint/2010/main" val="1167857835"/>
+        <p14:creationId xmlns:p14="http://schemas.microsoft.com/office/powerpoint/2010/main" val="2747946378"/>
       </p:ext>
     </p:extLst>
   </p:cSld>
   <p:clrMapOvr>
     <a:masterClrMapping/>
   </p:clrMapOvr>
+  <p:timing>
+    <p:tnLst>
+      <p:par>
+        <p:cTn id="1" dur="indefinite" restart="never" nodeType="tmRoot"/>
+      </p:par>
+    </p:tnLst>
+  </p:timing>
 </p:sldLayout>
 </file>
 
@@ -15606,13 +15605,20 @@
     </p:spTree>
     <p:extLst>
       <p:ext uri="{BB962C8B-B14F-4D97-AF65-F5344CB8AC3E}">
-        <p14:creationId xmlns:p14="http://schemas.microsoft.com/office/powerpoint/2010/main" val="1909956714"/>
+        <p14:creationId xmlns:p14="http://schemas.microsoft.com/office/powerpoint/2010/main" val="1111067069"/>
       </p:ext>
     </p:extLst>
   </p:cSld>
   <p:clrMapOvr>
     <a:masterClrMapping/>
   </p:clrMapOvr>
+  <p:timing>
+    <p:tnLst>
+      <p:par>
+        <p:cTn id="1" dur="indefinite" restart="never" nodeType="tmRoot"/>
+      </p:par>
+    </p:tnLst>
+  </p:timing>
 </p:sldLayout>
 </file>
 
@@ -15711,13 +15717,20 @@
     </p:spTree>
     <p:extLst>
       <p:ext uri="{BB962C8B-B14F-4D97-AF65-F5344CB8AC3E}">
-        <p14:creationId xmlns:p14="http://schemas.microsoft.com/office/powerpoint/2010/main" val="3274382293"/>
+        <p14:creationId xmlns:p14="http://schemas.microsoft.com/office/powerpoint/2010/main" val="2482690476"/>
       </p:ext>
     </p:extLst>
   </p:cSld>
   <p:clrMapOvr>
     <a:masterClrMapping/>
   </p:clrMapOvr>
+  <p:timing>
+    <p:tnLst>
+      <p:par>
+        <p:cTn id="1" dur="indefinite" restart="never" nodeType="tmRoot"/>
+      </p:par>
+    </p:tnLst>
+  </p:timing>
 </p:sldLayout>
 </file>
 
@@ -15844,13 +15857,20 @@
     </p:spTree>
     <p:extLst>
       <p:ext uri="{BB962C8B-B14F-4D97-AF65-F5344CB8AC3E}">
-        <p14:creationId xmlns:p14="http://schemas.microsoft.com/office/powerpoint/2010/main" val="2541409826"/>
+        <p14:creationId xmlns:p14="http://schemas.microsoft.com/office/powerpoint/2010/main" val="4180996921"/>
       </p:ext>
     </p:extLst>
   </p:cSld>
   <p:clrMapOvr>
     <a:masterClrMapping/>
   </p:clrMapOvr>
+  <p:timing>
+    <p:tnLst>
+      <p:par>
+        <p:cTn id="1" dur="indefinite" restart="never" nodeType="tmRoot"/>
+      </p:par>
+    </p:tnLst>
+  </p:timing>
 </p:sldLayout>
 </file>
 
@@ -16067,13 +16087,20 @@
     </p:spTree>
     <p:extLst>
       <p:ext uri="{BB962C8B-B14F-4D97-AF65-F5344CB8AC3E}">
-        <p14:creationId xmlns:p14="http://schemas.microsoft.com/office/powerpoint/2010/main" val="1418357342"/>
+        <p14:creationId xmlns:p14="http://schemas.microsoft.com/office/powerpoint/2010/main" val="2846054840"/>
       </p:ext>
     </p:extLst>
   </p:cSld>
   <p:clrMapOvr>
     <a:masterClrMapping/>
   </p:clrMapOvr>
+  <p:timing>
+    <p:tnLst>
+      <p:par>
+        <p:cTn id="1" dur="indefinite" restart="never" nodeType="tmRoot"/>
+      </p:par>
+    </p:tnLst>
+  </p:timing>
 </p:sldLayout>
 </file>
 
@@ -16425,13 +16452,20 @@
     </p:spTree>
     <p:extLst>
       <p:ext uri="{BB962C8B-B14F-4D97-AF65-F5344CB8AC3E}">
-        <p14:creationId xmlns:p14="http://schemas.microsoft.com/office/powerpoint/2010/main" val="4157661239"/>
+        <p14:creationId xmlns:p14="http://schemas.microsoft.com/office/powerpoint/2010/main" val="2297561135"/>
       </p:ext>
     </p:extLst>
   </p:cSld>
   <p:clrMapOvr>
     <a:masterClrMapping/>
   </p:clrMapOvr>
+  <p:timing>
+    <p:tnLst>
+      <p:par>
+        <p:cTn id="1" dur="indefinite" restart="never" nodeType="tmRoot"/>
+      </p:par>
+    </p:tnLst>
+  </p:timing>
 </p:sldLayout>
 </file>
 
@@ -16478,13 +16512,20 @@
     </p:spTree>
     <p:extLst>
       <p:ext uri="{BB962C8B-B14F-4D97-AF65-F5344CB8AC3E}">
-        <p14:creationId xmlns:p14="http://schemas.microsoft.com/office/powerpoint/2010/main" val="2853080364"/>
+        <p14:creationId xmlns:p14="http://schemas.microsoft.com/office/powerpoint/2010/main" val="1627919954"/>
       </p:ext>
     </p:extLst>
   </p:cSld>
   <p:clrMapOvr>
     <a:masterClrMapping/>
   </p:clrMapOvr>
+  <p:timing>
+    <p:tnLst>
+      <p:par>
+        <p:cTn id="1" dur="indefinite" restart="never" nodeType="tmRoot"/>
+      </p:par>
+    </p:tnLst>
+  </p:timing>
 </p:sldLayout>
 </file>
 
@@ -16508,13 +16549,20 @@
     </p:spTree>
     <p:extLst>
       <p:ext uri="{BB962C8B-B14F-4D97-AF65-F5344CB8AC3E}">
-        <p14:creationId xmlns:p14="http://schemas.microsoft.com/office/powerpoint/2010/main" val="4068260276"/>
+        <p14:creationId xmlns:p14="http://schemas.microsoft.com/office/powerpoint/2010/main" val="1681192476"/>
       </p:ext>
     </p:extLst>
   </p:cSld>
   <p:clrMapOvr>
     <a:masterClrMapping/>
   </p:clrMapOvr>
+  <p:timing>
+    <p:tnLst>
+      <p:par>
+        <p:cTn id="1" dur="indefinite" restart="never" nodeType="tmRoot"/>
+      </p:par>
+    </p:tnLst>
+  </p:timing>
 </p:sldLayout>
 </file>
 
@@ -16720,13 +16768,20 @@
     </p:spTree>
     <p:extLst>
       <p:ext uri="{BB962C8B-B14F-4D97-AF65-F5344CB8AC3E}">
-        <p14:creationId xmlns:p14="http://schemas.microsoft.com/office/powerpoint/2010/main" val="3917100477"/>
+        <p14:creationId xmlns:p14="http://schemas.microsoft.com/office/powerpoint/2010/main" val="1283194571"/>
       </p:ext>
     </p:extLst>
   </p:cSld>
   <p:clrMapOvr>
     <a:masterClrMapping/>
   </p:clrMapOvr>
+  <p:timing>
+    <p:tnLst>
+      <p:par>
+        <p:cTn id="1" dur="indefinite" restart="never" nodeType="tmRoot"/>
+      </p:par>
+    </p:tnLst>
+  </p:timing>
 </p:sldLayout>
 </file>
 
@@ -16912,13 +16967,20 @@
     </p:spTree>
     <p:extLst>
       <p:ext uri="{BB962C8B-B14F-4D97-AF65-F5344CB8AC3E}">
-        <p14:creationId xmlns:p14="http://schemas.microsoft.com/office/powerpoint/2010/main" val="659867315"/>
+        <p14:creationId xmlns:p14="http://schemas.microsoft.com/office/powerpoint/2010/main" val="4086871205"/>
       </p:ext>
     </p:extLst>
   </p:cSld>
   <p:clrMapOvr>
     <a:masterClrMapping/>
   </p:clrMapOvr>
+  <p:timing>
+    <p:tnLst>
+      <p:par>
+        <p:cTn id="1" dur="indefinite" restart="never" nodeType="tmRoot"/>
+      </p:par>
+    </p:tnLst>
+  </p:timing>
 </p:sldLayout>
 </file>
 
@@ -17102,23 +17164,23 @@
     </p:spTree>
     <p:extLst>
       <p:ext uri="{BB962C8B-B14F-4D97-AF65-F5344CB8AC3E}">
-        <p14:creationId xmlns:p14="http://schemas.microsoft.com/office/powerpoint/2010/main" val="333598779"/>
+        <p14:creationId xmlns:p14="http://schemas.microsoft.com/office/powerpoint/2010/main" val="3204841853"/>
       </p:ext>
     </p:extLst>
   </p:cSld>
   <p:clrMap bg1="lt1" tx1="dk1" bg2="lt2" tx2="dk2" accent1="accent1" accent2="accent2" accent3="accent3" accent4="accent4" accent5="accent5" accent6="accent6" hlink="hlink" folHlink="folHlink"/>
   <p:sldLayoutIdLst>
-    <p:sldLayoutId id="2147483721" r:id="rId1"/>
-    <p:sldLayoutId id="2147483722" r:id="rId2"/>
-    <p:sldLayoutId id="2147483723" r:id="rId3"/>
-    <p:sldLayoutId id="2147483724" r:id="rId4"/>
-    <p:sldLayoutId id="2147483725" r:id="rId5"/>
-    <p:sldLayoutId id="2147483726" r:id="rId6"/>
-    <p:sldLayoutId id="2147483727" r:id="rId7"/>
-    <p:sldLayoutId id="2147483728" r:id="rId8"/>
-    <p:sldLayoutId id="2147483729" r:id="rId9"/>
-    <p:sldLayoutId id="2147483730" r:id="rId10"/>
-    <p:sldLayoutId id="2147483731" r:id="rId11"/>
+    <p:sldLayoutId id="2147483745" r:id="rId1"/>
+    <p:sldLayoutId id="2147483746" r:id="rId2"/>
+    <p:sldLayoutId id="2147483747" r:id="rId3"/>
+    <p:sldLayoutId id="2147483748" r:id="rId4"/>
+    <p:sldLayoutId id="2147483749" r:id="rId5"/>
+    <p:sldLayoutId id="2147483750" r:id="rId6"/>
+    <p:sldLayoutId id="2147483751" r:id="rId7"/>
+    <p:sldLayoutId id="2147483752" r:id="rId8"/>
+    <p:sldLayoutId id="2147483753" r:id="rId9"/>
+    <p:sldLayoutId id="2147483754" r:id="rId10"/>
+    <p:sldLayoutId id="2147483755" r:id="rId11"/>
   </p:sldLayoutIdLst>
   <p:timing>
     <p:tnLst>
